--- a/Courses/Software-Sciences/Module-4-Information-Systems-New/05-Connecting-Windows-Forms-with-Database/05-Connecting-Windows-Forms-with-Database.pptx
+++ b/Courses/Software-Sciences/Module-4-Information-Systems-New/05-Connecting-Windows-Forms-with-Database/05-Connecting-Windows-Forms-with-Database.pptx
@@ -346,7 +346,7 @@
           <a:p>
             <a:fld id="{4E087215-0C8F-4762-A664-737A353EC9A4}" type="datetimeFigureOut">
               <a:rPr lang="bg-BG" smtClean="0"/>
-              <a:t>23.12.2024 г.</a:t>
+              <a:t>10.1.2025 г.</a:t>
             </a:fld>
             <a:endParaRPr lang="bg-BG"/>
           </a:p>
@@ -542,7 +542,7 @@
           <a:p>
             <a:fld id="{72D84649-876A-46C9-8472-14CB09C070D8}" type="datetimeFigureOut">
               <a:rPr lang="en-US" smtClean="0"/>
-              <a:t>12/23/2024</a:t>
+              <a:t>10-Jan-25</a:t>
             </a:fld>
             <a:endParaRPr lang="en-US"/>
           </a:p>
@@ -26084,7 +26084,7 @@
         </p:nvSpPr>
         <p:spPr bwMode="auto">
           <a:xfrm>
-            <a:off x="8651537" y="4591286"/>
+            <a:off x="8533397" y="4633096"/>
             <a:ext cx="2938607" cy="547094"/>
           </a:xfrm>
           <a:prstGeom prst="wedgeRoundRectCallout">
@@ -26197,13 +26197,13 @@
         </p:nvSpPr>
         <p:spPr bwMode="auto">
           <a:xfrm>
-            <a:off x="2046000" y="4927634"/>
-            <a:ext cx="3015000" cy="543541"/>
+            <a:off x="3330589" y="4436553"/>
+            <a:ext cx="1665000" cy="879889"/>
           </a:xfrm>
           <a:prstGeom prst="wedgeRoundRectCallout">
             <a:avLst>
-              <a:gd name="adj1" fmla="val 71333"/>
-              <a:gd name="adj2" fmla="val -163882"/>
+              <a:gd name="adj1" fmla="val 103687"/>
+              <a:gd name="adj2" fmla="val -55341"/>
               <a:gd name="adj3" fmla="val 16667"/>
             </a:avLst>
           </a:prstGeom>
@@ -26310,13 +26310,13 @@
         </p:nvSpPr>
         <p:spPr bwMode="auto">
           <a:xfrm>
-            <a:off x="1363722" y="6090731"/>
-            <a:ext cx="4133925" cy="547094"/>
+            <a:off x="1172805" y="5580722"/>
+            <a:ext cx="2400980" cy="879889"/>
           </a:xfrm>
           <a:prstGeom prst="wedgeRoundRectCallout">
             <a:avLst>
-              <a:gd name="adj1" fmla="val 60883"/>
-              <a:gd name="adj2" fmla="val -208842"/>
+              <a:gd name="adj1" fmla="val 148368"/>
+              <a:gd name="adj2" fmla="val -69133"/>
               <a:gd name="adj3" fmla="val 16667"/>
             </a:avLst>
           </a:prstGeom>
@@ -26426,13 +26426,13 @@
         </p:nvSpPr>
         <p:spPr bwMode="auto">
           <a:xfrm>
-            <a:off x="400829" y="2940339"/>
-            <a:ext cx="4419784" cy="842161"/>
+            <a:off x="469807" y="3114000"/>
+            <a:ext cx="2635171" cy="1367739"/>
           </a:xfrm>
           <a:prstGeom prst="wedgeRoundRectCallout">
             <a:avLst>
-              <a:gd name="adj1" fmla="val 74644"/>
-              <a:gd name="adj2" fmla="val 47475"/>
+              <a:gd name="adj1" fmla="val 154839"/>
+              <a:gd name="adj2" fmla="val -6752"/>
               <a:gd name="adj3" fmla="val 16667"/>
             </a:avLst>
           </a:prstGeom>

--- a/Courses/Software-Sciences/Module-4-Information-Systems-New/05-Connecting-Windows-Forms-with-Database/05-Connecting-Windows-Forms-with-Database.pptx
+++ b/Courses/Software-Sciences/Module-4-Information-Systems-New/05-Connecting-Windows-Forms-with-Database/05-Connecting-Windows-Forms-with-Database.pptx
@@ -346,7 +346,7 @@
           <a:p>
             <a:fld id="{4E087215-0C8F-4762-A664-737A353EC9A4}" type="datetimeFigureOut">
               <a:rPr lang="bg-BG" smtClean="0"/>
-              <a:t>10.1.2025 г.</a:t>
+              <a:t>12.01.25 г.</a:t>
             </a:fld>
             <a:endParaRPr lang="bg-BG"/>
           </a:p>
@@ -542,7 +542,7 @@
           <a:p>
             <a:fld id="{72D84649-876A-46C9-8472-14CB09C070D8}" type="datetimeFigureOut">
               <a:rPr lang="en-US" smtClean="0"/>
-              <a:t>10-Jan-25</a:t>
+              <a:t>1/12/25</a:t>
             </a:fld>
             <a:endParaRPr lang="en-US"/>
           </a:p>
@@ -19249,7 +19249,7 @@
         </p:blipFill>
         <p:spPr>
           <a:xfrm>
-            <a:off x="4724561" y="3624037"/>
+            <a:off x="8457675" y="3624037"/>
             <a:ext cx="3473487" cy="2192007"/>
           </a:xfrm>
           <a:prstGeom prst="rect">
@@ -19306,12 +19306,55 @@
           </a:ln>
         </p:spPr>
       </p:pic>
+      <p:pic>
+        <p:nvPicPr>
+          <p:cNvPr id="6" name="Picture 5">
+            <a:extLst>
+              <a:ext uri="{FF2B5EF4-FFF2-40B4-BE49-F238E27FC236}">
+                <a16:creationId xmlns:a16="http://schemas.microsoft.com/office/drawing/2014/main" id="{D3464928-3DB1-C962-DB43-E704DD2D8C17}"/>
+              </a:ext>
+            </a:extLst>
+          </p:cNvPr>
+          <p:cNvPicPr>
+            <a:picLocks noChangeAspect="1"/>
+          </p:cNvPicPr>
+          <p:nvPr/>
+        </p:nvPicPr>
+        <p:blipFill>
+          <a:blip r:embed="rId4">
+            <a:extLst>
+              <a:ext uri="{28A0092B-C50C-407E-A947-70E740481C1C}">
+                <a14:useLocalDpi xmlns:a14="http://schemas.microsoft.com/office/drawing/2010/main" val="0"/>
+              </a:ext>
+            </a:extLst>
+          </a:blip>
+          <a:stretch>
+            <a:fillRect/>
+          </a:stretch>
+        </p:blipFill>
+        <p:spPr>
+          <a:xfrm>
+            <a:off x="4785995" y="3759321"/>
+            <a:ext cx="3335065" cy="1902554"/>
+          </a:xfrm>
+          <a:prstGeom prst="rect">
+            <a:avLst/>
+          </a:prstGeom>
+          <a:ln>
+            <a:solidFill>
+              <a:schemeClr val="bg2">
+                <a:lumMod val="75000"/>
+              </a:schemeClr>
+            </a:solidFill>
+          </a:ln>
+        </p:spPr>
+      </p:pic>
       <p:sp>
         <p:nvSpPr>
-          <p:cNvPr id="12" name="Arrow: Right 10">
+          <p:cNvPr id="8" name="Arrow: Right 10">
             <a:extLst>
               <a:ext uri="{FF2B5EF4-FFF2-40B4-BE49-F238E27FC236}">
-                <a16:creationId xmlns:a16="http://schemas.microsoft.com/office/drawing/2014/main" id="{78FBC4BA-F1ED-3618-E587-C943FCEEA2F1}"/>
+                <a16:creationId xmlns:a16="http://schemas.microsoft.com/office/drawing/2014/main" id="{5FA2853C-039E-ECAA-3905-04D7688FCDF9}"/>
               </a:ext>
             </a:extLst>
           </p:cNvPr>
@@ -19320,8 +19363,8 @@
         </p:nvSpPr>
         <p:spPr>
           <a:xfrm>
-            <a:off x="4265023" y="4538574"/>
-            <a:ext cx="695166" cy="362936"/>
+            <a:off x="8073386" y="4529130"/>
+            <a:ext cx="616298" cy="362936"/>
           </a:xfrm>
           <a:prstGeom prst="rightArrow">
             <a:avLst/>
@@ -19360,55 +19403,12 @@
           </a:p>
         </p:txBody>
       </p:sp>
-      <p:pic>
-        <p:nvPicPr>
-          <p:cNvPr id="6" name="Picture 5">
-            <a:extLst>
-              <a:ext uri="{FF2B5EF4-FFF2-40B4-BE49-F238E27FC236}">
-                <a16:creationId xmlns:a16="http://schemas.microsoft.com/office/drawing/2014/main" id="{D3464928-3DB1-C962-DB43-E704DD2D8C17}"/>
-              </a:ext>
-            </a:extLst>
-          </p:cNvPr>
-          <p:cNvPicPr>
-            <a:picLocks noChangeAspect="1"/>
-          </p:cNvPicPr>
-          <p:nvPr/>
-        </p:nvPicPr>
-        <p:blipFill>
-          <a:blip r:embed="rId4">
-            <a:extLst>
-              <a:ext uri="{28A0092B-C50C-407E-A947-70E740481C1C}">
-                <a14:useLocalDpi xmlns:a14="http://schemas.microsoft.com/office/drawing/2010/main" val="0"/>
-              </a:ext>
-            </a:extLst>
-          </a:blip>
-          <a:stretch>
-            <a:fillRect/>
-          </a:stretch>
-        </p:blipFill>
-        <p:spPr>
-          <a:xfrm>
-            <a:off x="8601672" y="3759321"/>
-            <a:ext cx="3335065" cy="1902554"/>
-          </a:xfrm>
-          <a:prstGeom prst="rect">
-            <a:avLst/>
-          </a:prstGeom>
-          <a:ln>
-            <a:solidFill>
-              <a:schemeClr val="bg2">
-                <a:lumMod val="75000"/>
-              </a:schemeClr>
-            </a:solidFill>
-          </a:ln>
-        </p:spPr>
-      </p:pic>
       <p:sp>
         <p:nvSpPr>
-          <p:cNvPr id="8" name="Arrow: Right 10">
+          <p:cNvPr id="12" name="Arrow: Right 10">
             <a:extLst>
               <a:ext uri="{FF2B5EF4-FFF2-40B4-BE49-F238E27FC236}">
-                <a16:creationId xmlns:a16="http://schemas.microsoft.com/office/drawing/2014/main" id="{5FA2853C-039E-ECAA-3905-04D7688FCDF9}"/>
+                <a16:creationId xmlns:a16="http://schemas.microsoft.com/office/drawing/2014/main" id="{78FBC4BA-F1ED-3618-E587-C943FCEEA2F1}"/>
               </a:ext>
             </a:extLst>
           </p:cNvPr>
@@ -19417,8 +19417,8 @@
         </p:nvSpPr>
         <p:spPr>
           <a:xfrm>
-            <a:off x="8073386" y="4529130"/>
-            <a:ext cx="616298" cy="362936"/>
+            <a:off x="4265023" y="4538574"/>
+            <a:ext cx="695166" cy="362936"/>
           </a:xfrm>
           <a:prstGeom prst="rightArrow">
             <a:avLst/>
@@ -19734,8 +19734,8 @@
       </p:par>
     </p:tnLst>
     <p:bldLst>
+      <p:bldP spid="8" grpId="0" animBg="1"/>
       <p:bldP spid="12" grpId="0" animBg="1"/>
-      <p:bldP spid="8" grpId="0" animBg="1"/>
     </p:bldLst>
   </p:timing>
 </p:sld>
